--- a/gaibua.pptx
+++ b/gaibua.pptx
@@ -6711,6 +6711,87 @@
 </p:notesMaster>
 </file>
 
+<file path=ppt/notesSlides/notesSlide1.xml><?xml version="1.0" encoding="utf-8"?>
+<p:notes xmlns:a="http://schemas.openxmlformats.org/drawingml/2006/main" xmlns:r="http://schemas.openxmlformats.org/officeDocument/2006/relationships" xmlns:p="http://schemas.openxmlformats.org/presentationml/2006/main">
+  <p:cSld>
+    <p:spTree>
+      <p:nvGrpSpPr>
+        <p:cNvPr id="1" name=""/>
+        <p:cNvGrpSpPr/>
+        <p:nvPr/>
+      </p:nvGrpSpPr>
+      <p:grpSpPr>
+        <a:xfrm>
+          <a:off x="0" y="0"/>
+          <a:ext cx="0" cy="0"/>
+          <a:chOff x="0" y="0"/>
+          <a:chExt cx="0" cy="0"/>
+        </a:xfrm>
+      </p:grpSpPr>
+      <p:sp>
+        <p:nvSpPr>
+          <p:cNvPr id="2" name="Slide Image Placeholder 1"/>
+          <p:cNvSpPr>
+            <a:spLocks noGrp="1" noRot="1" noChangeAspect="1"/>
+          </p:cNvSpPr>
+          <p:nvPr>
+            <p:ph type="sldImg"/>
+          </p:nvPr>
+        </p:nvSpPr>
+        <p:spPr/>
+      </p:sp>
+      <p:sp>
+        <p:nvSpPr>
+          <p:cNvPr id="3" name="Notes Placeholder 2"/>
+          <p:cNvSpPr>
+            <a:spLocks noGrp="1"/>
+          </p:cNvSpPr>
+          <p:nvPr>
+            <p:ph type="body" idx="1"/>
+          </p:nvPr>
+        </p:nvSpPr>
+        <p:spPr/>
+        <p:txBody>
+          <a:bodyPr>
+            <a:normAutofit/>
+          </a:bodyPr>
+          <a:lstStyle/>
+          <a:p>
+            <a:endParaRPr lang="en-US" dirty="0"/>
+          </a:p>
+        </p:txBody>
+      </p:sp>
+      <p:sp>
+        <p:nvSpPr>
+          <p:cNvPr id="4" name="Slide Number Placeholder 3"/>
+          <p:cNvSpPr>
+            <a:spLocks noGrp="1"/>
+          </p:cNvSpPr>
+          <p:nvPr>
+            <p:ph type="sldNum" sz="quarter" idx="10"/>
+          </p:nvPr>
+        </p:nvSpPr>
+        <p:spPr/>
+        <p:txBody>
+          <a:bodyPr/>
+          <a:lstStyle/>
+          <a:p>
+            <a:fld id="{4F3420A7-CCA2-4335-A24D-146343A4F5FE}" type="slidenum">
+              <a:rPr lang="en-US" smtClean="0"/>
+              <a:t>10</a:t>
+            </a:fld>
+            <a:endParaRPr lang="en-US"/>
+          </a:p>
+        </p:txBody>
+      </p:sp>
+    </p:spTree>
+  </p:cSld>
+  <p:clrMapOvr>
+    <a:masterClrMapping/>
+  </p:clrMapOvr>
+</p:notes>
+</file>
+
 <file path=ppt/slideLayouts/slideLayout1.xml><?xml version="1.0" encoding="utf-8"?>
 <p:sldLayout xmlns:a="http://schemas.openxmlformats.org/drawingml/2006/main" xmlns:r="http://schemas.openxmlformats.org/officeDocument/2006/relationships" xmlns:p="http://schemas.openxmlformats.org/presentationml/2006/main" type="title" preserve="1">
   <p:cSld name="Title Slide">
@@ -7056,6 +7137,9 @@
   <p:clrMapOvr>
     <a:masterClrMapping/>
   </p:clrMapOvr>
+  <p:transition>
+    <p:dissolve/>
+  </p:transition>
 </p:sldLayout>
 </file>
 
@@ -7223,6 +7307,9 @@
   <p:clrMapOvr>
     <a:masterClrMapping/>
   </p:clrMapOvr>
+  <p:transition>
+    <p:dissolve/>
+  </p:transition>
 </p:sldLayout>
 </file>
 
@@ -7400,6 +7487,9 @@
   <p:clrMapOvr>
     <a:masterClrMapping/>
   </p:clrMapOvr>
+  <p:transition>
+    <p:dissolve/>
+  </p:transition>
 </p:sldLayout>
 </file>
 
@@ -7576,6 +7666,9 @@
   <p:clrMapOvr>
     <a:masterClrMapping/>
   </p:clrMapOvr>
+  <p:transition>
+    <p:dissolve/>
+  </p:transition>
 </p:sldLayout>
 </file>
 
@@ -7848,6 +7941,9 @@
   <p:clrMapOvr>
     <a:masterClrMapping/>
   </p:clrMapOvr>
+  <p:transition>
+    <p:dissolve/>
+  </p:transition>
 </p:sldLayout>
 </file>
 
@@ -8077,6 +8173,9 @@
   <p:clrMapOvr>
     <a:masterClrMapping/>
   </p:clrMapOvr>
+  <p:transition>
+    <p:dissolve/>
+  </p:transition>
 </p:sldLayout>
 </file>
 
@@ -8568,6 +8667,9 @@
   <p:clrMapOvr>
     <a:masterClrMapping/>
   </p:clrMapOvr>
+  <p:transition>
+    <p:dissolve/>
+  </p:transition>
 </p:sldLayout>
 </file>
 
@@ -8683,6 +8785,9 @@
   <p:clrMapOvr>
     <a:masterClrMapping/>
   </p:clrMapOvr>
+  <p:transition>
+    <p:dissolve/>
+  </p:transition>
 </p:sldLayout>
 </file>
 
@@ -8775,6 +8880,9 @@
   <p:clrMapOvr>
     <a:masterClrMapping/>
   </p:clrMapOvr>
+  <p:transition>
+    <p:dissolve/>
+  </p:transition>
 </p:sldLayout>
 </file>
 
@@ -9027,6 +9135,9 @@
   <p:clrMapOvr>
     <a:masterClrMapping/>
   </p:clrMapOvr>
+  <p:transition>
+    <p:dissolve/>
+  </p:transition>
 </p:sldLayout>
 </file>
 
@@ -9269,6 +9380,9 @@
   <p:clrMapOvr>
     <a:masterClrMapping/>
   </p:clrMapOvr>
+  <p:transition>
+    <p:dissolve/>
+  </p:transition>
 </p:sldLayout>
 </file>
 
@@ -9526,6 +9640,9 @@
     <p:sldLayoutId id="2147483862" r:id="rId10"/>
     <p:sldLayoutId id="2147483863" r:id="rId11"/>
   </p:sldLayoutIdLst>
+  <p:transition>
+    <p:dissolve/>
+  </p:transition>
   <p:txStyles>
     <p:titleStyle>
       <a:lvl1pPr algn="l" rtl="0" eaLnBrk="1" latinLnBrk="0" hangingPunct="1">
@@ -9910,6 +10027,14 @@
               </a:rPr>
               <a:t>to </a:t>
             </a:r>
+            <a:endParaRPr lang="en-US" sz="7200" dirty="0" smtClean="0">
+              <a:solidFill>
+                <a:schemeClr val="tx1">
+                  <a:lumMod val="95000"/>
+                </a:schemeClr>
+              </a:solidFill>
+              <a:latin typeface="Algerian" pitchFamily="82" charset="0"/>
+            </a:endParaRPr>
           </a:p>
           <a:p>
             <a:pPr algn="ctr"/>
@@ -10020,7 +10145,7 @@
     <a:masterClrMapping/>
   </p:clrMapOvr>
   <p:transition>
-    <p:cut/>
+    <p:dissolve/>
   </p:transition>
   <p:timing>
     <p:tnLst>
@@ -10222,11 +10347,317 @@
           <a:chExt cx="0" cy="0"/>
         </a:xfrm>
       </p:grpSpPr>
+      <p:sp>
+        <p:nvSpPr>
+          <p:cNvPr id="2" name="TextBox 1"/>
+          <p:cNvSpPr txBox="1"/>
+          <p:nvPr/>
+        </p:nvSpPr>
+        <p:spPr>
+          <a:xfrm>
+            <a:off x="685800" y="5791199"/>
+            <a:ext cx="7086600" cy="400110"/>
+          </a:xfrm>
+          <a:prstGeom prst="rect">
+            <a:avLst/>
+          </a:prstGeom>
+          <a:noFill/>
+        </p:spPr>
+        <p:txBody>
+          <a:bodyPr wrap="square" rtlCol="0">
+            <a:spAutoFit/>
+          </a:bodyPr>
+          <a:lstStyle/>
+          <a:p>
+            <a:pPr fontAlgn="base"/>
+            <a:r>
+              <a:rPr lang="en-US" sz="2000" dirty="0" smtClean="0"/>
+              <a:t>5.The </a:t>
+            </a:r>
+            <a:r>
+              <a:rPr lang="en-US" sz="2000" dirty="0" smtClean="0"/>
+              <a:t>valid identifiers are GFG, gfg, and geeks_for_geeks</a:t>
+            </a:r>
+            <a:endParaRPr lang="en-US" sz="2000" dirty="0"/>
+          </a:p>
+        </p:txBody>
+      </p:sp>
+      <p:sp>
+        <p:nvSpPr>
+          <p:cNvPr id="4" name="TextBox 3"/>
+          <p:cNvSpPr txBox="1"/>
+          <p:nvPr/>
+        </p:nvSpPr>
+        <p:spPr>
+          <a:xfrm>
+            <a:off x="838200" y="1219200"/>
+            <a:ext cx="7391400" cy="923330"/>
+          </a:xfrm>
+          <a:prstGeom prst="rect">
+            <a:avLst/>
+          </a:prstGeom>
+          <a:noFill/>
+        </p:spPr>
+        <p:txBody>
+          <a:bodyPr wrap="square" rtlCol="0">
+            <a:spAutoFit/>
+          </a:bodyPr>
+          <a:lstStyle/>
+          <a:p>
+            <a:r>
+              <a:rPr lang="en-US" dirty="0" smtClean="0"/>
+              <a:t>Identifiers refers to the name of variables,functions,arrays,classes,etc. Created by the programmer.They are the fundamental requirement of any language</a:t>
+            </a:r>
+            <a:endParaRPr lang="en-US" dirty="0"/>
+          </a:p>
+        </p:txBody>
+      </p:sp>
+      <p:sp>
+        <p:nvSpPr>
+          <p:cNvPr id="5" name="Rectangle 4"/>
+          <p:cNvSpPr/>
+          <p:nvPr/>
+        </p:nvSpPr>
+        <p:spPr>
+          <a:xfrm>
+            <a:off x="838200" y="2057400"/>
+            <a:ext cx="6019800" cy="1477328"/>
+          </a:xfrm>
+          <a:prstGeom prst="rect">
+            <a:avLst/>
+          </a:prstGeom>
+        </p:spPr>
+        <p:txBody>
+          <a:bodyPr wrap="square">
+            <a:spAutoFit/>
+          </a:bodyPr>
+          <a:lstStyle/>
+          <a:p>
+            <a:r>
+              <a:rPr lang="en-US" dirty="0" smtClean="0"/>
+              <a:t>All C++ </a:t>
+            </a:r>
+            <a:r>
+              <a:rPr lang="en-US" b="1" dirty="0" smtClean="0"/>
+              <a:t>variables</a:t>
+            </a:r>
+            <a:r>
+              <a:rPr lang="en-US" dirty="0" smtClean="0"/>
+              <a:t> must be </a:t>
+            </a:r>
+            <a:r>
+              <a:rPr lang="en-US" b="1" dirty="0" smtClean="0"/>
+              <a:t>identified</a:t>
+            </a:r>
+            <a:r>
+              <a:rPr lang="en-US" dirty="0" smtClean="0"/>
+              <a:t> with </a:t>
+            </a:r>
+            <a:r>
+              <a:rPr lang="en-US" b="1" dirty="0" smtClean="0"/>
+              <a:t>unique names</a:t>
+            </a:r>
+            <a:r>
+              <a:rPr lang="en-US" dirty="0" smtClean="0"/>
+              <a:t>.</a:t>
+            </a:r>
+          </a:p>
+          <a:p>
+            <a:r>
+              <a:rPr lang="en-US" dirty="0" smtClean="0"/>
+              <a:t>These unique names are called </a:t>
+            </a:r>
+            <a:r>
+              <a:rPr lang="en-US" b="1" dirty="0" smtClean="0"/>
+              <a:t>identifiers</a:t>
+            </a:r>
+            <a:r>
+              <a:rPr lang="en-US" dirty="0" smtClean="0"/>
+              <a:t>.</a:t>
+            </a:r>
+          </a:p>
+          <a:p>
+            <a:r>
+              <a:rPr lang="en-US" dirty="0" smtClean="0"/>
+              <a:t>Identifiers can be short names (like x and y) or more descriptive names (age, sum, totalVolume).</a:t>
+            </a:r>
+            <a:endParaRPr lang="en-US" dirty="0"/>
+          </a:p>
+        </p:txBody>
+      </p:sp>
+      <p:sp>
+        <p:nvSpPr>
+          <p:cNvPr id="7" name="TextBox 6"/>
+          <p:cNvSpPr txBox="1"/>
+          <p:nvPr/>
+        </p:nvSpPr>
+        <p:spPr>
+          <a:xfrm>
+            <a:off x="2895600" y="3810000"/>
+            <a:ext cx="3733800" cy="461665"/>
+          </a:xfrm>
+          <a:prstGeom prst="rect">
+            <a:avLst/>
+          </a:prstGeom>
+          <a:noFill/>
+        </p:spPr>
+        <p:txBody>
+          <a:bodyPr wrap="square" rtlCol="0">
+            <a:spAutoFit/>
+          </a:bodyPr>
+          <a:lstStyle/>
+          <a:p>
+            <a:r>
+              <a:rPr lang="en-US" sz="2400" dirty="0" smtClean="0">
+                <a:latin typeface="Algerian" pitchFamily="82" charset="0"/>
+              </a:rPr>
+              <a:t>Rules for identifiers</a:t>
+            </a:r>
+            <a:endParaRPr lang="en-US" sz="2400" dirty="0">
+              <a:latin typeface="Algerian" pitchFamily="82" charset="0"/>
+            </a:endParaRPr>
+          </a:p>
+        </p:txBody>
+      </p:sp>
+      <p:sp>
+        <p:nvSpPr>
+          <p:cNvPr id="9" name="Rectangle 8"/>
+          <p:cNvSpPr/>
+          <p:nvPr/>
+        </p:nvSpPr>
+        <p:spPr>
+          <a:xfrm>
+            <a:off x="685800" y="4419600"/>
+            <a:ext cx="8001000" cy="646331"/>
+          </a:xfrm>
+          <a:prstGeom prst="rect">
+            <a:avLst/>
+          </a:prstGeom>
+        </p:spPr>
+        <p:txBody>
+          <a:bodyPr wrap="square">
+            <a:spAutoFit/>
+          </a:bodyPr>
+          <a:lstStyle/>
+          <a:p>
+            <a:pPr fontAlgn="base"/>
+            <a:r>
+              <a:rPr lang="en-US" dirty="0" smtClean="0"/>
+              <a:t>1..Identifier </a:t>
+            </a:r>
+            <a:r>
+              <a:rPr lang="en-US" dirty="0" smtClean="0"/>
+              <a:t>names can not start with a digit or any special character.</a:t>
+            </a:r>
+          </a:p>
+          <a:p>
+            <a:pPr fontAlgn="base"/>
+            <a:r>
+              <a:rPr lang="en-US" dirty="0" smtClean="0"/>
+              <a:t>2..A </a:t>
+            </a:r>
+            <a:r>
+              <a:rPr lang="en-US" dirty="0" smtClean="0"/>
+              <a:t>keyword cannot be used as an identifier name.</a:t>
+            </a:r>
+            <a:endParaRPr lang="en-US" dirty="0"/>
+          </a:p>
+        </p:txBody>
+      </p:sp>
+      <p:sp>
+        <p:nvSpPr>
+          <p:cNvPr id="10" name="Rectangle 9"/>
+          <p:cNvSpPr/>
+          <p:nvPr/>
+        </p:nvSpPr>
+        <p:spPr>
+          <a:xfrm>
+            <a:off x="685800" y="4953000"/>
+            <a:ext cx="7848600" cy="1754326"/>
+          </a:xfrm>
+          <a:prstGeom prst="rect">
+            <a:avLst/>
+          </a:prstGeom>
+        </p:spPr>
+        <p:txBody>
+          <a:bodyPr wrap="square">
+            <a:spAutoFit/>
+          </a:bodyPr>
+          <a:lstStyle/>
+          <a:p>
+            <a:pPr fontAlgn="base"/>
+            <a:r>
+              <a:rPr lang="en-US" dirty="0" smtClean="0"/>
+              <a:t>3..Only </a:t>
+            </a:r>
+            <a:r>
+              <a:rPr lang="en-US" dirty="0" smtClean="0"/>
+              <a:t>alphabetic characters, digits, and underscores are permitted.</a:t>
+            </a:r>
+          </a:p>
+          <a:p>
+            <a:pPr fontAlgn="base"/>
+            <a:r>
+              <a:rPr lang="en-US" dirty="0" smtClean="0"/>
+              <a:t>4..The upper case and lower case letters are distinct. i.e., A and a are different in C++.</a:t>
+            </a:r>
+          </a:p>
+          <a:p>
+            <a:pPr fontAlgn="base"/>
+            <a:endParaRPr lang="en-US" dirty="0" smtClean="0"/>
+          </a:p>
+          <a:p>
+            <a:pPr fontAlgn="base"/>
+            <a:endParaRPr lang="en-US" dirty="0" smtClean="0"/>
+          </a:p>
+          <a:p>
+            <a:pPr fontAlgn="base"/>
+            <a:endParaRPr lang="en-US" dirty="0" smtClean="0"/>
+          </a:p>
+        </p:txBody>
+      </p:sp>
+      <p:sp>
+        <p:nvSpPr>
+          <p:cNvPr id="12" name="TextBox 11"/>
+          <p:cNvSpPr txBox="1"/>
+          <p:nvPr/>
+        </p:nvSpPr>
+        <p:spPr>
+          <a:xfrm>
+            <a:off x="3048000" y="381000"/>
+            <a:ext cx="4495800" cy="707886"/>
+          </a:xfrm>
+          <a:prstGeom prst="rect">
+            <a:avLst/>
+          </a:prstGeom>
+          <a:noFill/>
+        </p:spPr>
+        <p:txBody>
+          <a:bodyPr wrap="square" rtlCol="0">
+            <a:spAutoFit/>
+          </a:bodyPr>
+          <a:lstStyle/>
+          <a:p>
+            <a:r>
+              <a:rPr lang="en-US" sz="4000" dirty="0" smtClean="0">
+                <a:latin typeface="Algerian" pitchFamily="82" charset="0"/>
+              </a:rPr>
+              <a:t>Identifiers</a:t>
+            </a:r>
+            <a:endParaRPr lang="en-US" sz="4000" dirty="0">
+              <a:latin typeface="Algerian" pitchFamily="82" charset="0"/>
+            </a:endParaRPr>
+          </a:p>
+        </p:txBody>
+      </p:sp>
     </p:spTree>
   </p:cSld>
   <p:clrMapOvr>
     <a:masterClrMapping/>
   </p:clrMapOvr>
+  <p:transition>
+    <p:dissolve/>
+  </p:transition>
 </p:sld>
 </file>
 
@@ -10247,11 +10678,207 @@
           <a:chExt cx="0" cy="0"/>
         </a:xfrm>
       </p:grpSpPr>
+      <p:sp>
+        <p:nvSpPr>
+          <p:cNvPr id="2" name="TextBox 1"/>
+          <p:cNvSpPr txBox="1"/>
+          <p:nvPr/>
+        </p:nvSpPr>
+        <p:spPr>
+          <a:xfrm>
+            <a:off x="3505200" y="381000"/>
+            <a:ext cx="3429000" cy="584775"/>
+          </a:xfrm>
+          <a:prstGeom prst="rect">
+            <a:avLst/>
+          </a:prstGeom>
+          <a:noFill/>
+        </p:spPr>
+        <p:txBody>
+          <a:bodyPr wrap="square" rtlCol="0">
+            <a:spAutoFit/>
+          </a:bodyPr>
+          <a:lstStyle/>
+          <a:p>
+            <a:r>
+              <a:rPr lang="en-US" sz="3200" dirty="0" smtClean="0">
+                <a:latin typeface="Algerian" pitchFamily="82" charset="0"/>
+              </a:rPr>
+              <a:t>Constant</a:t>
+            </a:r>
+            <a:endParaRPr lang="en-US" sz="3200" dirty="0">
+              <a:latin typeface="Algerian" pitchFamily="82" charset="0"/>
+            </a:endParaRPr>
+          </a:p>
+        </p:txBody>
+      </p:sp>
+      <p:sp>
+        <p:nvSpPr>
+          <p:cNvPr id="3" name="Rectangle 2"/>
+          <p:cNvSpPr/>
+          <p:nvPr/>
+        </p:nvSpPr>
+        <p:spPr>
+          <a:xfrm>
+            <a:off x="304800" y="1219200"/>
+            <a:ext cx="8610600" cy="1200329"/>
+          </a:xfrm>
+          <a:prstGeom prst="rect">
+            <a:avLst/>
+          </a:prstGeom>
+        </p:spPr>
+        <p:txBody>
+          <a:bodyPr wrap="square">
+            <a:spAutoFit/>
+          </a:bodyPr>
+          <a:lstStyle/>
+          <a:p>
+            <a:r>
+              <a:rPr lang="en-US" dirty="0" smtClean="0"/>
+              <a:t>constants </a:t>
+            </a:r>
+            <a:r>
+              <a:rPr lang="en-US" dirty="0" smtClean="0"/>
+              <a:t>in C++ are the tokens that are defined at the time of initialization and the assigned value cannot be altered or updated after that. The define preprocessor directive and the const keyword are the two methods to define a constant. The value stored in a constant variable is known as a literal</a:t>
+            </a:r>
+            <a:r>
+              <a:rPr lang="en-US" dirty="0" smtClean="0"/>
+              <a:t>.</a:t>
+            </a:r>
+          </a:p>
+        </p:txBody>
+      </p:sp>
+      <p:sp>
+        <p:nvSpPr>
+          <p:cNvPr id="7" name="Rectangle 6"/>
+          <p:cNvSpPr/>
+          <p:nvPr/>
+        </p:nvSpPr>
+        <p:spPr>
+          <a:xfrm>
+            <a:off x="1828800" y="3962400"/>
+            <a:ext cx="5685316" cy="400110"/>
+          </a:xfrm>
+          <a:prstGeom prst="rect">
+            <a:avLst/>
+          </a:prstGeom>
+        </p:spPr>
+        <p:txBody>
+          <a:bodyPr wrap="square">
+            <a:spAutoFit/>
+          </a:bodyPr>
+          <a:lstStyle/>
+          <a:p>
+            <a:r>
+              <a:rPr lang="en-US" sz="2000" b="1" dirty="0" smtClean="0">
+                <a:latin typeface="Algerian" pitchFamily="82" charset="0"/>
+              </a:rPr>
+              <a:t>Define preprocessor directive method:</a:t>
+            </a:r>
+            <a:endParaRPr lang="en-US" sz="2000" b="1" dirty="0">
+              <a:latin typeface="Algerian" pitchFamily="82" charset="0"/>
+            </a:endParaRPr>
+          </a:p>
+        </p:txBody>
+      </p:sp>
+      <p:sp>
+        <p:nvSpPr>
+          <p:cNvPr id="8" name="Rectangle 7"/>
+          <p:cNvSpPr/>
+          <p:nvPr/>
+        </p:nvSpPr>
+        <p:spPr>
+          <a:xfrm>
+            <a:off x="533400" y="4514671"/>
+            <a:ext cx="8077200" cy="1200329"/>
+          </a:xfrm>
+          <a:prstGeom prst="rect">
+            <a:avLst/>
+          </a:prstGeom>
+        </p:spPr>
+        <p:txBody>
+          <a:bodyPr wrap="square">
+            <a:spAutoFit/>
+          </a:bodyPr>
+          <a:lstStyle/>
+          <a:p>
+            <a:r>
+              <a:rPr lang="en-US" dirty="0" smtClean="0"/>
+              <a:t>1.This </a:t>
+            </a:r>
+            <a:r>
+              <a:rPr lang="en-US" dirty="0" smtClean="0"/>
+              <a:t>preprocessor directive provides an alias or a reference name to any variable or value</a:t>
+            </a:r>
+            <a:r>
+              <a:rPr lang="en-US" dirty="0" smtClean="0"/>
+              <a:t>.</a:t>
+            </a:r>
+          </a:p>
+          <a:p>
+            <a:r>
+              <a:rPr lang="en-US" dirty="0" smtClean="0"/>
+              <a:t> 2.It </a:t>
+            </a:r>
+            <a:r>
+              <a:rPr lang="en-US" dirty="0" smtClean="0"/>
+              <a:t>is used to define constants in C++ by giving alias names to the value. This method defines constants globally.</a:t>
+            </a:r>
+            <a:endParaRPr lang="en-US" dirty="0"/>
+          </a:p>
+        </p:txBody>
+      </p:sp>
+      <p:sp>
+        <p:nvSpPr>
+          <p:cNvPr id="9" name="Rectangle 8"/>
+          <p:cNvSpPr/>
+          <p:nvPr/>
+        </p:nvSpPr>
+        <p:spPr>
+          <a:xfrm>
+            <a:off x="304800" y="2413338"/>
+            <a:ext cx="8686800" cy="1200329"/>
+          </a:xfrm>
+          <a:prstGeom prst="rect">
+            <a:avLst/>
+          </a:prstGeom>
+        </p:spPr>
+        <p:txBody>
+          <a:bodyPr wrap="square">
+            <a:spAutoFit/>
+          </a:bodyPr>
+          <a:lstStyle/>
+          <a:p>
+            <a:r>
+              <a:rPr lang="en-US" dirty="0" smtClean="0"/>
+              <a:t>Constants refer to fixed values that the program may not alter and they are called </a:t>
+            </a:r>
+            <a:r>
+              <a:rPr lang="en-US" b="1" dirty="0" smtClean="0"/>
+              <a:t>literals</a:t>
+            </a:r>
+            <a:r>
+              <a:rPr lang="en-US" dirty="0" smtClean="0"/>
+              <a:t>.</a:t>
+            </a:r>
+          </a:p>
+          <a:p>
+            <a:r>
+              <a:rPr lang="en-US" dirty="0" smtClean="0"/>
+              <a:t>Constants can be of any of the basic data types and can be divided into Integer Numerals, Floating-Point Numerals, Characters, Strings and Boolean Values.</a:t>
+            </a:r>
+            <a:endParaRPr lang="en-US" dirty="0"/>
+          </a:p>
+        </p:txBody>
+      </p:sp>
     </p:spTree>
   </p:cSld>
   <p:clrMapOvr>
     <a:masterClrMapping/>
   </p:clrMapOvr>
+  <p:transition>
+    <p:dissolve/>
+  </p:transition>
 </p:sld>
 </file>
 
@@ -10272,11 +10899,174 @@
           <a:chExt cx="0" cy="0"/>
         </a:xfrm>
       </p:grpSpPr>
+      <p:sp>
+        <p:nvSpPr>
+          <p:cNvPr id="5" name="TextBox 4"/>
+          <p:cNvSpPr txBox="1"/>
+          <p:nvPr/>
+        </p:nvSpPr>
+        <p:spPr>
+          <a:xfrm>
+            <a:off x="3505200" y="381000"/>
+            <a:ext cx="5334000" cy="646331"/>
+          </a:xfrm>
+          <a:prstGeom prst="rect">
+            <a:avLst/>
+          </a:prstGeom>
+          <a:noFill/>
+        </p:spPr>
+        <p:txBody>
+          <a:bodyPr wrap="square" rtlCol="0">
+            <a:spAutoFit/>
+          </a:bodyPr>
+          <a:lstStyle/>
+          <a:p>
+            <a:r>
+              <a:rPr lang="en-US" sz="3600" dirty="0" smtClean="0">
+                <a:latin typeface="Algerian" pitchFamily="82" charset="0"/>
+              </a:rPr>
+              <a:t>Strings</a:t>
+            </a:r>
+            <a:endParaRPr lang="en-US" sz="3600" dirty="0">
+              <a:latin typeface="Algerian" pitchFamily="82" charset="0"/>
+            </a:endParaRPr>
+          </a:p>
+        </p:txBody>
+      </p:sp>
+      <p:sp>
+        <p:nvSpPr>
+          <p:cNvPr id="6" name="Rectangle 5"/>
+          <p:cNvSpPr/>
+          <p:nvPr/>
+        </p:nvSpPr>
+        <p:spPr>
+          <a:xfrm>
+            <a:off x="381000" y="968276"/>
+            <a:ext cx="8458200" cy="2308324"/>
+          </a:xfrm>
+          <a:prstGeom prst="rect">
+            <a:avLst/>
+          </a:prstGeom>
+        </p:spPr>
+        <p:txBody>
+          <a:bodyPr wrap="square">
+            <a:spAutoFit/>
+          </a:bodyPr>
+          <a:lstStyle/>
+          <a:p>
+            <a:r>
+              <a:rPr lang="en-US" sz="2400" dirty="0" smtClean="0"/>
+              <a:t>1.C</a:t>
+            </a:r>
+            <a:r>
+              <a:rPr lang="en-US" sz="2400" dirty="0" smtClean="0"/>
+              <a:t>++ strings are sequences of characters stored in a char array</a:t>
+            </a:r>
+            <a:r>
+              <a:rPr lang="en-US" sz="2400" dirty="0" smtClean="0"/>
+              <a:t>.</a:t>
+            </a:r>
+          </a:p>
+          <a:p>
+            <a:r>
+              <a:rPr lang="en-US" sz="2400" dirty="0" smtClean="0"/>
+              <a:t> </a:t>
+            </a:r>
+            <a:r>
+              <a:rPr lang="en-US" sz="2400" dirty="0" smtClean="0"/>
+              <a:t>Strings are used to store words and text</a:t>
+            </a:r>
+            <a:r>
+              <a:rPr lang="en-US" sz="2400" dirty="0" smtClean="0"/>
+              <a:t>.</a:t>
+            </a:r>
+          </a:p>
+          <a:p>
+            <a:r>
+              <a:rPr lang="en-US" sz="2400" dirty="0" smtClean="0"/>
+              <a:t>2. </a:t>
+            </a:r>
+            <a:r>
+              <a:rPr lang="en-US" sz="2400" dirty="0" smtClean="0"/>
+              <a:t>They are also used to store data, such as numbers and other types of information. </a:t>
+            </a:r>
+            <a:endParaRPr lang="en-US" sz="2400" dirty="0" smtClean="0"/>
+          </a:p>
+          <a:p>
+            <a:r>
+              <a:rPr lang="en-US" sz="2400" dirty="0" smtClean="0"/>
+              <a:t>Strings </a:t>
+            </a:r>
+            <a:r>
+              <a:rPr lang="en-US" sz="2400" dirty="0" smtClean="0"/>
+              <a:t>in C++ can be defined either using the </a:t>
+            </a:r>
+            <a:r>
+              <a:rPr lang="en-US" sz="2400" b="1" dirty="0" smtClean="0"/>
+              <a:t>std::string </a:t>
+            </a:r>
+          </a:p>
+          <a:p>
+            <a:r>
+              <a:rPr lang="en-US" sz="2400" b="1" dirty="0" smtClean="0"/>
+              <a:t>Class of the array</a:t>
+            </a:r>
+            <a:endParaRPr lang="en-US" sz="2400" dirty="0" smtClean="0"/>
+          </a:p>
+        </p:txBody>
+      </p:sp>
+      <p:sp>
+        <p:nvSpPr>
+          <p:cNvPr id="9" name="Rectangle 8"/>
+          <p:cNvSpPr/>
+          <p:nvPr/>
+        </p:nvSpPr>
+        <p:spPr>
+          <a:xfrm>
+            <a:off x="381000" y="3352800"/>
+            <a:ext cx="8001000" cy="1569660"/>
+          </a:xfrm>
+          <a:prstGeom prst="rect">
+            <a:avLst/>
+          </a:prstGeom>
+        </p:spPr>
+        <p:txBody>
+          <a:bodyPr wrap="square">
+            <a:spAutoFit/>
+          </a:bodyPr>
+          <a:lstStyle/>
+          <a:p>
+            <a:r>
+              <a:rPr lang="en-US" sz="2400" dirty="0" smtClean="0"/>
+              <a:t>3.string </a:t>
+            </a:r>
+            <a:r>
+              <a:rPr lang="en-US" sz="2400" dirty="0" smtClean="0"/>
+              <a:t>is a way of representing and working with texts and characters. </a:t>
+            </a:r>
+            <a:endParaRPr lang="en-US" sz="2400" dirty="0" smtClean="0"/>
+          </a:p>
+          <a:p>
+            <a:r>
+              <a:rPr lang="en-US" sz="2400" dirty="0" smtClean="0"/>
+              <a:t>4.It </a:t>
+            </a:r>
+            <a:r>
+              <a:rPr lang="en-US" sz="2400" dirty="0" smtClean="0"/>
+              <a:t>has two different types of string representations: C-style character string and String class introduced in C++.</a:t>
+            </a:r>
+            <a:endParaRPr lang="en-US" sz="2400" dirty="0"/>
+          </a:p>
+        </p:txBody>
+      </p:sp>
     </p:spTree>
   </p:cSld>
   <p:clrMapOvr>
     <a:masterClrMapping/>
   </p:clrMapOvr>
+  <p:transition>
+    <p:dissolve/>
+  </p:transition>
 </p:sld>
 </file>
 
@@ -10297,11 +11087,312 @@
           <a:chExt cx="0" cy="0"/>
         </a:xfrm>
       </p:grpSpPr>
+      <p:sp>
+        <p:nvSpPr>
+          <p:cNvPr id="2" name="TextBox 1"/>
+          <p:cNvSpPr txBox="1"/>
+          <p:nvPr/>
+        </p:nvSpPr>
+        <p:spPr>
+          <a:xfrm>
+            <a:off x="3429000" y="609600"/>
+            <a:ext cx="3962400" cy="584775"/>
+          </a:xfrm>
+          <a:prstGeom prst="rect">
+            <a:avLst/>
+          </a:prstGeom>
+          <a:noFill/>
+        </p:spPr>
+        <p:txBody>
+          <a:bodyPr wrap="square" rtlCol="0">
+            <a:spAutoFit/>
+          </a:bodyPr>
+          <a:lstStyle/>
+          <a:p>
+            <a:r>
+              <a:rPr lang="en-US" sz="3200" dirty="0" smtClean="0">
+                <a:latin typeface="Algerian" pitchFamily="82" charset="0"/>
+              </a:rPr>
+              <a:t>Operator</a:t>
+            </a:r>
+            <a:endParaRPr lang="en-US" sz="3200" dirty="0">
+              <a:latin typeface="Algerian" pitchFamily="82" charset="0"/>
+            </a:endParaRPr>
+          </a:p>
+        </p:txBody>
+      </p:sp>
+      <p:sp>
+        <p:nvSpPr>
+          <p:cNvPr id="3" name="Rectangle 2"/>
+          <p:cNvSpPr/>
+          <p:nvPr/>
+        </p:nvSpPr>
+        <p:spPr>
+          <a:xfrm>
+            <a:off x="1066800" y="1447800"/>
+            <a:ext cx="7620000" cy="2585323"/>
+          </a:xfrm>
+          <a:prstGeom prst="rect">
+            <a:avLst/>
+          </a:prstGeom>
+        </p:spPr>
+        <p:txBody>
+          <a:bodyPr wrap="square">
+            <a:spAutoFit/>
+          </a:bodyPr>
+          <a:lstStyle/>
+          <a:p>
+            <a:r>
+              <a:rPr lang="en-US" dirty="0" smtClean="0"/>
+              <a:t>An operator in programming is a symbol or set of symbols, that designates a particular operation or action to be carried out on data</a:t>
+            </a:r>
+            <a:r>
+              <a:rPr lang="en-US" dirty="0" smtClean="0"/>
+              <a:t>.</a:t>
+            </a:r>
+          </a:p>
+          <a:p>
+            <a:r>
+              <a:rPr lang="en-US" dirty="0" smtClean="0"/>
+              <a:t> </a:t>
+            </a:r>
+            <a:r>
+              <a:rPr lang="en-US" dirty="0" smtClean="0"/>
+              <a:t>Programmers can execute mathematical calculations, value comparisons, value assignments, and other operations by manipulating variables and values with operators.</a:t>
+            </a:r>
+          </a:p>
+          <a:p>
+            <a:r>
+              <a:rPr lang="en-US" dirty="0" smtClean="0"/>
+              <a:t>Based on their usefulness, operators in programming languages may be divided into many classes. </a:t>
+            </a:r>
+            <a:endParaRPr lang="en-US" dirty="0" smtClean="0"/>
+          </a:p>
+          <a:p>
+            <a:r>
+              <a:rPr lang="en-US" dirty="0" smtClean="0"/>
+              <a:t>Mathematical </a:t>
+            </a:r>
+            <a:r>
+              <a:rPr lang="en-US" dirty="0" smtClean="0"/>
+              <a:t>operators (such as addition, subtraction, multiplication, and division</a:t>
+            </a:r>
+            <a:r>
+              <a:rPr lang="en-US" dirty="0" smtClean="0"/>
+              <a:t>)</a:t>
+            </a:r>
+            <a:endParaRPr lang="en-US" dirty="0"/>
+          </a:p>
+        </p:txBody>
+      </p:sp>
+      <p:sp>
+        <p:nvSpPr>
+          <p:cNvPr id="4" name="Rectangle 3"/>
+          <p:cNvSpPr/>
+          <p:nvPr/>
+        </p:nvSpPr>
+        <p:spPr>
+          <a:xfrm>
+            <a:off x="1066800" y="5181600"/>
+            <a:ext cx="2810256" cy="369332"/>
+          </a:xfrm>
+          <a:prstGeom prst="rect">
+            <a:avLst/>
+          </a:prstGeom>
+        </p:spPr>
+        <p:txBody>
+          <a:bodyPr wrap="none">
+            <a:spAutoFit/>
+          </a:bodyPr>
+          <a:lstStyle/>
+          <a:p>
+            <a:r>
+              <a:rPr lang="en-US" b="1" dirty="0" smtClean="0"/>
+              <a:t>1..Arithmetic Operators:</a:t>
+            </a:r>
+            <a:endParaRPr lang="en-US" b="1" dirty="0"/>
+          </a:p>
+        </p:txBody>
+      </p:sp>
+      <p:sp>
+        <p:nvSpPr>
+          <p:cNvPr id="5" name="Rectangle 4"/>
+          <p:cNvSpPr/>
+          <p:nvPr/>
+        </p:nvSpPr>
+        <p:spPr>
+          <a:xfrm>
+            <a:off x="914400" y="5486400"/>
+            <a:ext cx="4572000" cy="923330"/>
+          </a:xfrm>
+          <a:prstGeom prst="rect">
+            <a:avLst/>
+          </a:prstGeom>
+        </p:spPr>
+        <p:txBody>
+          <a:bodyPr>
+            <a:spAutoFit/>
+          </a:bodyPr>
+          <a:lstStyle/>
+          <a:p>
+            <a:r>
+              <a:rPr lang="en-US" b="1" dirty="0" smtClean="0"/>
+              <a:t>2..Relational </a:t>
+            </a:r>
+            <a:r>
+              <a:rPr lang="en-US" b="1" dirty="0" smtClean="0"/>
+              <a:t>Operators:</a:t>
+            </a:r>
+          </a:p>
+          <a:p>
+            <a:r>
+              <a:rPr lang="en-US" dirty="0" smtClean="0"/>
+              <a:t/>
+            </a:r>
+            <a:br>
+              <a:rPr lang="en-US" dirty="0" smtClean="0"/>
+            </a:br>
+            <a:endParaRPr lang="en-US" dirty="0"/>
+          </a:p>
+        </p:txBody>
+      </p:sp>
+      <p:sp>
+        <p:nvSpPr>
+          <p:cNvPr id="6" name="Rectangle 5"/>
+          <p:cNvSpPr/>
+          <p:nvPr/>
+        </p:nvSpPr>
+        <p:spPr>
+          <a:xfrm>
+            <a:off x="914400" y="5715000"/>
+            <a:ext cx="2437077" cy="369332"/>
+          </a:xfrm>
+          <a:prstGeom prst="rect">
+            <a:avLst/>
+          </a:prstGeom>
+        </p:spPr>
+        <p:txBody>
+          <a:bodyPr wrap="none">
+            <a:spAutoFit/>
+          </a:bodyPr>
+          <a:lstStyle/>
+          <a:p>
+            <a:r>
+              <a:rPr lang="en-US" b="1" dirty="0" smtClean="0"/>
+              <a:t>3..Logical Operators:</a:t>
+            </a:r>
+            <a:endParaRPr lang="en-US" b="1" dirty="0"/>
+          </a:p>
+        </p:txBody>
+      </p:sp>
+      <p:sp>
+        <p:nvSpPr>
+          <p:cNvPr id="7" name="Rectangle 6"/>
+          <p:cNvSpPr/>
+          <p:nvPr/>
+        </p:nvSpPr>
+        <p:spPr>
+          <a:xfrm>
+            <a:off x="5105400" y="5181600"/>
+            <a:ext cx="2951321" cy="369332"/>
+          </a:xfrm>
+          <a:prstGeom prst="rect">
+            <a:avLst/>
+          </a:prstGeom>
+        </p:spPr>
+        <p:txBody>
+          <a:bodyPr wrap="none">
+            <a:spAutoFit/>
+          </a:bodyPr>
+          <a:lstStyle/>
+          <a:p>
+            <a:r>
+              <a:rPr lang="en-US" b="1" dirty="0" smtClean="0"/>
+              <a:t>4..Assignment </a:t>
+            </a:r>
+            <a:r>
+              <a:rPr lang="en-US" b="1" dirty="0" smtClean="0"/>
+              <a:t>Operators:</a:t>
+            </a:r>
+            <a:endParaRPr lang="en-US" b="1" dirty="0"/>
+          </a:p>
+        </p:txBody>
+      </p:sp>
+      <p:sp>
+        <p:nvSpPr>
+          <p:cNvPr id="8" name="Rectangle 7"/>
+          <p:cNvSpPr/>
+          <p:nvPr/>
+        </p:nvSpPr>
+        <p:spPr>
+          <a:xfrm>
+            <a:off x="4267200" y="5486400"/>
+            <a:ext cx="4520340" cy="369332"/>
+          </a:xfrm>
+          <a:prstGeom prst="rect">
+            <a:avLst/>
+          </a:prstGeom>
+        </p:spPr>
+        <p:txBody>
+          <a:bodyPr wrap="none">
+            <a:spAutoFit/>
+          </a:bodyPr>
+          <a:lstStyle/>
+          <a:p>
+            <a:r>
+              <a:rPr lang="en-US" b="1" dirty="0" smtClean="0"/>
+              <a:t>5..Increment </a:t>
+            </a:r>
+            <a:r>
+              <a:rPr lang="en-US" b="1" dirty="0" smtClean="0"/>
+              <a:t>and Decrement Operators:</a:t>
+            </a:r>
+            <a:endParaRPr lang="en-US" b="1" dirty="0"/>
+          </a:p>
+        </p:txBody>
+      </p:sp>
+      <p:sp>
+        <p:nvSpPr>
+          <p:cNvPr id="9" name="TextBox 8"/>
+          <p:cNvSpPr txBox="1"/>
+          <p:nvPr/>
+        </p:nvSpPr>
+        <p:spPr>
+          <a:xfrm>
+            <a:off x="3124200" y="4114800"/>
+            <a:ext cx="3733800" cy="523220"/>
+          </a:xfrm>
+          <a:prstGeom prst="rect">
+            <a:avLst/>
+          </a:prstGeom>
+          <a:noFill/>
+        </p:spPr>
+        <p:txBody>
+          <a:bodyPr wrap="square" rtlCol="0">
+            <a:spAutoFit/>
+          </a:bodyPr>
+          <a:lstStyle/>
+          <a:p>
+            <a:r>
+              <a:rPr lang="en-US" sz="2800" dirty="0" smtClean="0">
+                <a:latin typeface="Algerian" pitchFamily="82" charset="0"/>
+              </a:rPr>
+              <a:t>Types of operator</a:t>
+            </a:r>
+            <a:endParaRPr lang="en-US" sz="2800" dirty="0">
+              <a:latin typeface="Algerian" pitchFamily="82" charset="0"/>
+            </a:endParaRPr>
+          </a:p>
+        </p:txBody>
+      </p:sp>
     </p:spTree>
   </p:cSld>
   <p:clrMapOvr>
     <a:masterClrMapping/>
   </p:clrMapOvr>
+  <p:transition>
+    <p:dissolve/>
+  </p:transition>
 </p:sld>
 </file>
 
@@ -10322,11 +11413,93 @@
           <a:chExt cx="0" cy="0"/>
         </a:xfrm>
       </p:grpSpPr>
+      <p:sp>
+        <p:nvSpPr>
+          <p:cNvPr id="2" name="TextBox 1"/>
+          <p:cNvSpPr txBox="1"/>
+          <p:nvPr/>
+        </p:nvSpPr>
+        <p:spPr>
+          <a:xfrm>
+            <a:off x="1676400" y="2209800"/>
+            <a:ext cx="6477000" cy="1200329"/>
+          </a:xfrm>
+          <a:prstGeom prst="rect">
+            <a:avLst/>
+          </a:prstGeom>
+          <a:noFill/>
+        </p:spPr>
+        <p:txBody>
+          <a:bodyPr wrap="square" rtlCol="0">
+            <a:spAutoFit/>
+          </a:bodyPr>
+          <a:lstStyle/>
+          <a:p>
+            <a:r>
+              <a:rPr lang="en-US" sz="7200" dirty="0" smtClean="0">
+                <a:latin typeface="Algerian" pitchFamily="82" charset="0"/>
+              </a:rPr>
+              <a:t>Thank you</a:t>
+            </a:r>
+            <a:endParaRPr lang="en-US" sz="7200" dirty="0">
+              <a:latin typeface="Algerian" pitchFamily="82" charset="0"/>
+            </a:endParaRPr>
+          </a:p>
+        </p:txBody>
+      </p:sp>
+      <p:sp>
+        <p:nvSpPr>
+          <p:cNvPr id="5" name="Smiley Face 4"/>
+          <p:cNvSpPr/>
+          <p:nvPr/>
+        </p:nvSpPr>
+        <p:spPr>
+          <a:xfrm>
+            <a:off x="3962400" y="3657600"/>
+            <a:ext cx="1143000" cy="914400"/>
+          </a:xfrm>
+          <a:prstGeom prst="smileyFace">
+            <a:avLst/>
+          </a:prstGeom>
+          <a:solidFill>
+            <a:schemeClr val="tx2">
+              <a:lumMod val="90000"/>
+            </a:schemeClr>
+          </a:solidFill>
+        </p:spPr>
+        <p:style>
+          <a:lnRef idx="2">
+            <a:schemeClr val="accent1">
+              <a:shade val="50000"/>
+            </a:schemeClr>
+          </a:lnRef>
+          <a:fillRef idx="1">
+            <a:schemeClr val="accent1"/>
+          </a:fillRef>
+          <a:effectRef idx="0">
+            <a:schemeClr val="accent1"/>
+          </a:effectRef>
+          <a:fontRef idx="minor">
+            <a:schemeClr val="lt1"/>
+          </a:fontRef>
+        </p:style>
+        <p:txBody>
+          <a:bodyPr rtlCol="0" anchor="ctr"/>
+          <a:lstStyle/>
+          <a:p>
+            <a:pPr algn="ctr"/>
+            <a:endParaRPr lang="en-US"/>
+          </a:p>
+        </p:txBody>
+      </p:sp>
     </p:spTree>
   </p:cSld>
   <p:clrMapOvr>
     <a:masterClrMapping/>
   </p:clrMapOvr>
+  <p:transition>
+    <p:dissolve/>
+  </p:transition>
 </p:sld>
 </file>
 
@@ -10352,6 +11525,9 @@
   <p:clrMapOvr>
     <a:masterClrMapping/>
   </p:clrMapOvr>
+  <p:transition>
+    <p:dissolve/>
+  </p:transition>
 </p:sld>
 </file>
 
@@ -10377,6 +11553,9 @@
   <p:clrMapOvr>
     <a:masterClrMapping/>
   </p:clrMapOvr>
+  <p:transition>
+    <p:dissolve/>
+  </p:transition>
   <p:timing>
     <p:tnLst>
       <p:par>
@@ -10665,6 +11844,9 @@
   <p:clrMapOvr>
     <a:masterClrMapping/>
   </p:clrMapOvr>
+  <p:transition>
+    <p:dissolve/>
+  </p:transition>
 </p:sld>
 </file>
 
@@ -10739,10 +11921,14 @@
           <a:p>
             <a:pPr algn="ctr"/>
             <a:r>
-              <a:rPr lang="en-US" dirty="0" smtClean="0"/>
+              <a:rPr lang="en-US" dirty="0" smtClean="0">
+                <a:latin typeface="Algerian" pitchFamily="82" charset="0"/>
+              </a:rPr>
               <a:t>Syntax of C++</a:t>
             </a:r>
-            <a:endParaRPr lang="en-US" dirty="0"/>
+            <a:endParaRPr lang="en-US" dirty="0">
+              <a:latin typeface="Algerian" pitchFamily="82" charset="0"/>
+            </a:endParaRPr>
           </a:p>
         </p:txBody>
       </p:sp>
@@ -10753,7 +11939,7 @@
           <p:nvPr/>
         </p:nvGraphicFramePr>
         <p:xfrm>
-          <a:off x="1295400" y="3886200"/>
+          <a:off x="1371600" y="3886200"/>
           <a:ext cx="7848600" cy="2585323"/>
         </p:xfrm>
         <a:graphic>
@@ -10767,6 +11953,9 @@
   <p:clrMapOvr>
     <a:masterClrMapping/>
   </p:clrMapOvr>
+  <p:transition>
+    <p:dissolve/>
+  </p:transition>
 </p:sld>
 </file>
 
@@ -10907,6 +12096,9 @@
   <p:clrMapOvr>
     <a:masterClrMapping/>
   </p:clrMapOvr>
+  <p:transition>
+    <p:dissolve/>
+  </p:transition>
 </p:sld>
 </file>
 
@@ -11056,6 +12248,9 @@
   <p:clrMapOvr>
     <a:masterClrMapping/>
   </p:clrMapOvr>
+  <p:transition>
+    <p:dissolve/>
+  </p:transition>
 </p:sld>
 </file>
 
@@ -11085,7 +12280,7 @@
         <p:spPr>
           <a:xfrm>
             <a:off x="3733800" y="457200"/>
-            <a:ext cx="4038600" cy="707886"/>
+            <a:ext cx="4038600" cy="769441"/>
           </a:xfrm>
           <a:prstGeom prst="rect">
             <a:avLst/>
@@ -11099,10 +12294,14 @@
           <a:lstStyle/>
           <a:p>
             <a:r>
-              <a:rPr lang="en-US" sz="4000" dirty="0" smtClean="0"/>
+              <a:rPr lang="en-US" sz="4400" dirty="0" smtClean="0">
+                <a:latin typeface="Algerian" pitchFamily="82" charset="0"/>
+              </a:rPr>
               <a:t>Token</a:t>
             </a:r>
-            <a:endParaRPr lang="en-US" sz="4000" dirty="0"/>
+            <a:endParaRPr lang="en-US" sz="4400" dirty="0">
+              <a:latin typeface="Algerian" pitchFamily="82" charset="0"/>
+            </a:endParaRPr>
           </a:p>
         </p:txBody>
       </p:sp>
@@ -11114,7 +12313,7 @@
         </p:nvSpPr>
         <p:spPr>
           <a:xfrm>
-            <a:off x="762000" y="1828800"/>
+            <a:off x="838200" y="1371600"/>
             <a:ext cx="7467600" cy="2308324"/>
           </a:xfrm>
           <a:prstGeom prst="rect">
@@ -11144,7 +12343,7 @@
         </p:nvSpPr>
         <p:spPr>
           <a:xfrm>
-            <a:off x="1066800" y="4572000"/>
+            <a:off x="990600" y="3962400"/>
             <a:ext cx="6019800" cy="1938992"/>
           </a:xfrm>
           <a:prstGeom prst="rect">
@@ -11215,6 +12414,9 @@
   <p:clrMapOvr>
     <a:masterClrMapping/>
   </p:clrMapOvr>
+  <p:transition>
+    <p:dissolve/>
+  </p:transition>
 </p:sld>
 </file>
 
@@ -11256,6 +12458,9 @@
   <p:clrMapOvr>
     <a:masterClrMapping/>
   </p:clrMapOvr>
+  <p:transition>
+    <p:dissolve/>
+  </p:transition>
 </p:sld>
 </file>
 
@@ -11334,15 +12539,7 @@
           <a:p>
             <a:r>
               <a:rPr lang="en-US" dirty="0" smtClean="0"/>
-              <a:t>Keywords (also known as </a:t>
-            </a:r>
-            <a:r>
-              <a:rPr lang="en-US" dirty="0" err="1" smtClean="0"/>
-              <a:t>reverved</a:t>
-            </a:r>
-            <a:r>
-              <a:rPr lang="en-US" dirty="0" smtClean="0"/>
-              <a:t> words)have special meanings to the C++ compiler and always written or typed in short(lower)cases. keywords are words that the language uses for a special purpose,such as void ,int,public,etc.It can’t be used for a variable name or function name or any other identifers.The total count of reversed keywords is 95.</a:t>
+              <a:t>Keywords (also known as reverved words)have special meanings to the C++ compiler and always written or typed in short(lower)cases. keywords are words that the language uses for a special purpose,such as void ,int,public,etc.It can’t be used for a variable name or function name or any other identifers.The total count of reversed keywords is 95.</a:t>
             </a:r>
           </a:p>
         </p:txBody>
@@ -11355,8 +12552,8 @@
         </p:nvSpPr>
         <p:spPr>
           <a:xfrm>
-            <a:off x="1371600" y="3429000"/>
-            <a:ext cx="3276600" cy="369332"/>
+            <a:off x="1600200" y="3505200"/>
+            <a:ext cx="3276600" cy="523220"/>
           </a:xfrm>
           <a:prstGeom prst="rect">
             <a:avLst/>
@@ -11370,27 +12567,27 @@
           <a:lstStyle/>
           <a:p>
             <a:r>
-              <a:rPr lang="en-US" dirty="0" smtClean="0"/>
-              <a:t>C++ </a:t>
-            </a:r>
-            <a:r>
-              <a:rPr lang="en-US" dirty="0" err="1" smtClean="0"/>
-              <a:t>keyworsds</a:t>
-            </a:r>
-            <a:endParaRPr lang="en-US" dirty="0"/>
+              <a:rPr lang="en-US" sz="2800" dirty="0" smtClean="0">
+                <a:latin typeface="Algerian" pitchFamily="82" charset="0"/>
+              </a:rPr>
+              <a:t>C++ keyworsds</a:t>
+            </a:r>
+            <a:endParaRPr lang="en-US" sz="2800" dirty="0">
+              <a:latin typeface="Algerian" pitchFamily="82" charset="0"/>
+            </a:endParaRPr>
           </a:p>
         </p:txBody>
       </p:sp>
       <p:sp>
         <p:nvSpPr>
-          <p:cNvPr id="6" name="TextBox 5"/>
+          <p:cNvPr id="7" name="TextBox 6"/>
           <p:cNvSpPr txBox="1"/>
           <p:nvPr/>
         </p:nvSpPr>
         <p:spPr>
           <a:xfrm>
-            <a:off x="990600" y="3891677"/>
-            <a:ext cx="6477000" cy="2585323"/>
+            <a:off x="1066800" y="4191000"/>
+            <a:ext cx="7315200" cy="2308324"/>
           </a:xfrm>
           <a:prstGeom prst="rect">
             <a:avLst/>
@@ -11405,48 +12602,162 @@
           <a:p>
             <a:r>
               <a:rPr lang="en-US" dirty="0" smtClean="0"/>
-              <a:t>Auto                  float              try                  operator</a:t>
+              <a:t>Auto</a:t>
             </a:r>
           </a:p>
           <a:p>
             <a:r>
               <a:rPr lang="en-US" dirty="0" smtClean="0"/>
-              <a:t>Break                 private</a:t>
+              <a:t>Virtual</a:t>
             </a:r>
           </a:p>
           <a:p>
             <a:r>
               <a:rPr lang="en-US" dirty="0" smtClean="0"/>
-              <a:t>Case                   this</a:t>
+              <a:t>While</a:t>
             </a:r>
           </a:p>
           <a:p>
             <a:r>
               <a:rPr lang="en-US" dirty="0" smtClean="0"/>
-              <a:t>Delete                                                             virtual</a:t>
-            </a:r>
-          </a:p>
-          <a:p>
-            <a:r>
-              <a:rPr lang="en-US" smtClean="0"/>
-              <a:t>                                                                        Do</a:t>
-            </a:r>
-            <a:endParaRPr lang="en-US" dirty="0" smtClean="0"/>
+              <a:t>Do</a:t>
+            </a:r>
           </a:p>
           <a:p>
             <a:r>
               <a:rPr lang="en-US" dirty="0" smtClean="0"/>
-              <a:t> </a:t>
-            </a:r>
+              <a:t>Const</a:t>
+            </a:r>
+          </a:p>
+          <a:p>
             <a:r>
               <a:rPr lang="en-US" dirty="0" smtClean="0"/>
-              <a:t>                                                                       Continue </a:t>
+              <a:t>Case</a:t>
             </a:r>
           </a:p>
           <a:p>
             <a:r>
               <a:rPr lang="en-US" dirty="0" smtClean="0"/>
-              <a:t>                                                                        Const</a:t>
+              <a:t>Catch</a:t>
+            </a:r>
+          </a:p>
+          <a:p>
+            <a:r>
+              <a:rPr lang="en-US" dirty="0" smtClean="0"/>
+              <a:t>int</a:t>
+            </a:r>
+          </a:p>
+        </p:txBody>
+      </p:sp>
+      <p:sp>
+        <p:nvSpPr>
+          <p:cNvPr id="9" name="TextBox 8"/>
+          <p:cNvSpPr txBox="1"/>
+          <p:nvPr/>
+        </p:nvSpPr>
+        <p:spPr>
+          <a:xfrm>
+            <a:off x="2362200" y="4191000"/>
+            <a:ext cx="6096000" cy="2308324"/>
+          </a:xfrm>
+          <a:prstGeom prst="rect">
+            <a:avLst/>
+          </a:prstGeom>
+          <a:noFill/>
+        </p:spPr>
+        <p:txBody>
+          <a:bodyPr wrap="square" rtlCol="0">
+            <a:spAutoFit/>
+          </a:bodyPr>
+          <a:lstStyle/>
+          <a:p>
+            <a:r>
+              <a:rPr lang="en-US" dirty="0" smtClean="0"/>
+              <a:t>Go to</a:t>
+            </a:r>
+          </a:p>
+          <a:p>
+            <a:r>
+              <a:rPr lang="en-US" dirty="0" smtClean="0"/>
+              <a:t>Void</a:t>
+            </a:r>
+          </a:p>
+          <a:p>
+            <a:r>
+              <a:rPr lang="en-US" dirty="0" smtClean="0"/>
+              <a:t>This</a:t>
+            </a:r>
+          </a:p>
+          <a:p>
+            <a:r>
+              <a:rPr lang="en-US" dirty="0" smtClean="0"/>
+              <a:t>Long</a:t>
+            </a:r>
+          </a:p>
+          <a:p>
+            <a:r>
+              <a:rPr lang="en-US" dirty="0" smtClean="0"/>
+              <a:t>Delete</a:t>
+            </a:r>
+          </a:p>
+          <a:p>
+            <a:r>
+              <a:rPr lang="en-US" dirty="0" smtClean="0"/>
+              <a:t>Break</a:t>
+            </a:r>
+          </a:p>
+          <a:p>
+            <a:r>
+              <a:rPr lang="en-US" dirty="0" smtClean="0"/>
+              <a:t>Enum</a:t>
+            </a:r>
+          </a:p>
+          <a:p>
+            <a:r>
+              <a:rPr lang="en-US" dirty="0" smtClean="0"/>
+              <a:t>throw</a:t>
+            </a:r>
+            <a:endParaRPr lang="en-US" dirty="0"/>
+          </a:p>
+        </p:txBody>
+      </p:sp>
+      <p:sp>
+        <p:nvSpPr>
+          <p:cNvPr id="10" name="TextBox 9"/>
+          <p:cNvSpPr txBox="1"/>
+          <p:nvPr/>
+        </p:nvSpPr>
+        <p:spPr>
+          <a:xfrm>
+            <a:off x="3810000" y="4191000"/>
+            <a:ext cx="4800600" cy="2308324"/>
+          </a:xfrm>
+          <a:prstGeom prst="rect">
+            <a:avLst/>
+          </a:prstGeom>
+          <a:noFill/>
+        </p:spPr>
+        <p:txBody>
+          <a:bodyPr wrap="square" rtlCol="0">
+            <a:spAutoFit/>
+          </a:bodyPr>
+          <a:lstStyle/>
+          <a:p>
+            <a:r>
+              <a:rPr lang="en-US" dirty="0" smtClean="0"/>
+              <a:t>Public</a:t>
+            </a:r>
+          </a:p>
+          <a:p>
+            <a:r>
+              <a:rPr lang="en-US" dirty="0" smtClean="0"/>
+              <a:t>Try</a:t>
+            </a:r>
+          </a:p>
+          <a:p>
+            <a:r>
+              <a:rPr lang="en-US" dirty="0" smtClean="0"/>
+              <a:t>Return</a:t>
             </a:r>
           </a:p>
           <a:p>
@@ -11458,9 +12769,97 @@
           <a:p>
             <a:r>
               <a:rPr lang="en-US" dirty="0" smtClean="0"/>
-              <a:t>case</a:t>
-            </a:r>
-            <a:endParaRPr lang="en-US" dirty="0"/>
+              <a:t>Register</a:t>
+            </a:r>
+          </a:p>
+          <a:p>
+            <a:r>
+              <a:rPr lang="en-US" dirty="0" smtClean="0"/>
+              <a:t>If</a:t>
+            </a:r>
+          </a:p>
+          <a:p>
+            <a:r>
+              <a:rPr lang="en-US" dirty="0" smtClean="0"/>
+              <a:t>Templete</a:t>
+            </a:r>
+          </a:p>
+          <a:p>
+            <a:r>
+              <a:rPr lang="en-US" dirty="0" smtClean="0"/>
+              <a:t>volatile</a:t>
+            </a:r>
+          </a:p>
+        </p:txBody>
+      </p:sp>
+      <p:sp>
+        <p:nvSpPr>
+          <p:cNvPr id="11" name="TextBox 10"/>
+          <p:cNvSpPr txBox="1"/>
+          <p:nvPr/>
+        </p:nvSpPr>
+        <p:spPr>
+          <a:xfrm>
+            <a:off x="5486400" y="4191000"/>
+            <a:ext cx="3048000" cy="2308324"/>
+          </a:xfrm>
+          <a:prstGeom prst="rect">
+            <a:avLst/>
+          </a:prstGeom>
+          <a:noFill/>
+        </p:spPr>
+        <p:txBody>
+          <a:bodyPr wrap="square" rtlCol="0">
+            <a:spAutoFit/>
+          </a:bodyPr>
+          <a:lstStyle/>
+          <a:p>
+            <a:r>
+              <a:rPr lang="en-US" dirty="0" smtClean="0"/>
+              <a:t>For</a:t>
+            </a:r>
+          </a:p>
+          <a:p>
+            <a:r>
+              <a:rPr lang="en-US" dirty="0" smtClean="0"/>
+              <a:t>Double</a:t>
+            </a:r>
+          </a:p>
+          <a:p>
+            <a:r>
+              <a:rPr lang="en-US" dirty="0" smtClean="0"/>
+              <a:t>New</a:t>
+            </a:r>
+          </a:p>
+          <a:p>
+            <a:r>
+              <a:rPr lang="en-US" dirty="0" smtClean="0"/>
+              <a:t>Switch</a:t>
+            </a:r>
+          </a:p>
+          <a:p>
+            <a:r>
+              <a:rPr lang="en-US" dirty="0" smtClean="0"/>
+              <a:t>Extern</a:t>
+            </a:r>
+          </a:p>
+          <a:p>
+            <a:r>
+              <a:rPr lang="en-US" dirty="0" smtClean="0"/>
+              <a:t>Class</a:t>
+            </a:r>
+          </a:p>
+          <a:p>
+            <a:r>
+              <a:rPr lang="en-US" dirty="0" smtClean="0"/>
+              <a:t>Size of</a:t>
+            </a:r>
+          </a:p>
+          <a:p>
+            <a:r>
+              <a:rPr lang="en-US" dirty="0" smtClean="0"/>
+              <a:t>struct</a:t>
+            </a:r>
           </a:p>
         </p:txBody>
       </p:sp>
@@ -11469,6 +12868,9 @@
   <p:clrMapOvr>
     <a:masterClrMapping/>
   </p:clrMapOvr>
+  <p:transition>
+    <p:dissolve/>
+  </p:transition>
 </p:sld>
 </file>
 
